--- a/Week2/BESD Week 2.pptx
+++ b/Week2/BESD Week 2.pptx
@@ -124,14 +124,6 @@
     </p:ext>
   </p:extLst>
 </p:presentation>
-</file>
-
-<file path=ppt/revisionInfo.xml><?xml version="1.0" encoding="utf-8"?>
-<p1510:revInfo xmlns:a="http://schemas.openxmlformats.org/drawingml/2006/main" xmlns:r="http://schemas.openxmlformats.org/officeDocument/2006/relationships" xmlns:p1510="http://schemas.microsoft.com/office/powerpoint/2015/10/main">
-  <p1510:revLst>
-    <p1510:client id="{C2FDF4A5-FE03-4269-B12C-3FB90C87A25C}" v="26" dt="2023-03-13T05:14:53.514"/>
-  </p1510:revLst>
-</p1510:revInfo>
 </file>
 
 <file path=ppt/changesInfos/changesInfo1.xml><?xml version="1.0" encoding="utf-8"?>
@@ -773,6 +765,30 @@
       </pc:sldChg>
     </pc:docChg>
   </pc:docChgLst>
+  <pc:docChgLst>
+    <pc:chgData name="Chuck Kiefriter" userId="a996b49251c4dfd2" providerId="LiveId" clId="{91F6E7F9-61A7-409E-A5AE-5B1C1C5A6AD6}"/>
+    <pc:docChg chg="undo custSel modSld">
+      <pc:chgData name="Chuck Kiefriter" userId="a996b49251c4dfd2" providerId="LiveId" clId="{91F6E7F9-61A7-409E-A5AE-5B1C1C5A6AD6}" dt="2024-08-14T23:59:11.576" v="16" actId="20577"/>
+      <pc:docMkLst>
+        <pc:docMk/>
+      </pc:docMkLst>
+      <pc:sldChg chg="modSp mod">
+        <pc:chgData name="Chuck Kiefriter" userId="a996b49251c4dfd2" providerId="LiveId" clId="{91F6E7F9-61A7-409E-A5AE-5B1C1C5A6AD6}" dt="2024-08-14T23:59:11.576" v="16" actId="20577"/>
+        <pc:sldMkLst>
+          <pc:docMk/>
+          <pc:sldMk cId="3194223319" sldId="263"/>
+        </pc:sldMkLst>
+        <pc:spChg chg="mod">
+          <ac:chgData name="Chuck Kiefriter" userId="a996b49251c4dfd2" providerId="LiveId" clId="{91F6E7F9-61A7-409E-A5AE-5B1C1C5A6AD6}" dt="2024-08-14T23:59:11.576" v="16" actId="20577"/>
+          <ac:spMkLst>
+            <pc:docMk/>
+            <pc:sldMk cId="3194223319" sldId="263"/>
+            <ac:spMk id="3" creationId="{23DFC7E9-54DD-38D7-0B9B-D34948D68CF9}"/>
+          </ac:spMkLst>
+        </pc:spChg>
+      </pc:sldChg>
+    </pc:docChg>
+  </pc:docChgLst>
 </pc:chgInfo>
 </file>
 
@@ -923,7 +939,7 @@
           <a:p>
             <a:fld id="{33D569A9-A222-4DCC-AF28-BB813B4F2ABB}" type="datetimeFigureOut">
               <a:rPr lang="en-US" smtClean="0"/>
-              <a:t>3/12/2023</a:t>
+              <a:t>8/14/2024</a:t>
             </a:fld>
             <a:endParaRPr lang="en-US"/>
           </a:p>
@@ -1211,7 +1227,7 @@
           <a:p>
             <a:fld id="{33D569A9-A222-4DCC-AF28-BB813B4F2ABB}" type="datetimeFigureOut">
               <a:rPr lang="en-US" smtClean="0"/>
-              <a:t>3/12/2023</a:t>
+              <a:t>8/14/2024</a:t>
             </a:fld>
             <a:endParaRPr lang="en-US"/>
           </a:p>
@@ -1409,7 +1425,7 @@
           <a:p>
             <a:fld id="{33D569A9-A222-4DCC-AF28-BB813B4F2ABB}" type="datetimeFigureOut">
               <a:rPr lang="en-US" smtClean="0"/>
-              <a:t>3/12/2023</a:t>
+              <a:t>8/14/2024</a:t>
             </a:fld>
             <a:endParaRPr lang="en-US"/>
           </a:p>
@@ -1617,7 +1633,7 @@
           <a:p>
             <a:fld id="{33D569A9-A222-4DCC-AF28-BB813B4F2ABB}" type="datetimeFigureOut">
               <a:rPr lang="en-US" smtClean="0"/>
-              <a:t>3/12/2023</a:t>
+              <a:t>8/14/2024</a:t>
             </a:fld>
             <a:endParaRPr lang="en-US"/>
           </a:p>
@@ -1815,7 +1831,7 @@
           <a:p>
             <a:fld id="{33D569A9-A222-4DCC-AF28-BB813B4F2ABB}" type="datetimeFigureOut">
               <a:rPr lang="en-US" smtClean="0"/>
-              <a:t>3/12/2023</a:t>
+              <a:t>8/14/2024</a:t>
             </a:fld>
             <a:endParaRPr lang="en-US"/>
           </a:p>
@@ -2090,7 +2106,7 @@
           <a:p>
             <a:fld id="{33D569A9-A222-4DCC-AF28-BB813B4F2ABB}" type="datetimeFigureOut">
               <a:rPr lang="en-US" smtClean="0"/>
-              <a:t>3/12/2023</a:t>
+              <a:t>8/14/2024</a:t>
             </a:fld>
             <a:endParaRPr lang="en-US"/>
           </a:p>
@@ -2355,7 +2371,7 @@
           <a:p>
             <a:fld id="{33D569A9-A222-4DCC-AF28-BB813B4F2ABB}" type="datetimeFigureOut">
               <a:rPr lang="en-US" smtClean="0"/>
-              <a:t>3/12/2023</a:t>
+              <a:t>8/14/2024</a:t>
             </a:fld>
             <a:endParaRPr lang="en-US"/>
           </a:p>
@@ -2767,7 +2783,7 @@
           <a:p>
             <a:fld id="{33D569A9-A222-4DCC-AF28-BB813B4F2ABB}" type="datetimeFigureOut">
               <a:rPr lang="en-US" smtClean="0"/>
-              <a:t>3/12/2023</a:t>
+              <a:t>8/14/2024</a:t>
             </a:fld>
             <a:endParaRPr lang="en-US"/>
           </a:p>
@@ -2908,7 +2924,7 @@
           <a:p>
             <a:fld id="{33D569A9-A222-4DCC-AF28-BB813B4F2ABB}" type="datetimeFigureOut">
               <a:rPr lang="en-US" smtClean="0"/>
-              <a:t>3/12/2023</a:t>
+              <a:t>8/14/2024</a:t>
             </a:fld>
             <a:endParaRPr lang="en-US"/>
           </a:p>
@@ -3021,7 +3037,7 @@
           <a:p>
             <a:fld id="{33D569A9-A222-4DCC-AF28-BB813B4F2ABB}" type="datetimeFigureOut">
               <a:rPr lang="en-US" smtClean="0"/>
-              <a:t>3/12/2023</a:t>
+              <a:t>8/14/2024</a:t>
             </a:fld>
             <a:endParaRPr lang="en-US"/>
           </a:p>
@@ -3367,7 +3383,7 @@
           <a:p>
             <a:fld id="{33D569A9-A222-4DCC-AF28-BB813B4F2ABB}" type="datetimeFigureOut">
               <a:rPr lang="en-US" smtClean="0"/>
-              <a:t>3/12/2023</a:t>
+              <a:t>8/14/2024</a:t>
             </a:fld>
             <a:endParaRPr lang="en-US"/>
           </a:p>
@@ -3608,7 +3624,7 @@
           <a:p>
             <a:fld id="{33D569A9-A222-4DCC-AF28-BB813B4F2ABB}" type="datetimeFigureOut">
               <a:rPr lang="en-US" smtClean="0"/>
-              <a:t>3/12/2023</a:t>
+              <a:t>8/14/2024</a:t>
             </a:fld>
             <a:endParaRPr lang="en-US"/>
           </a:p>
@@ -4041,7 +4057,7 @@
         <p:spPr>
           <a:xfrm>
             <a:off x="696537" y="87952"/>
-            <a:ext cx="9326104" cy="5986254"/>
+            <a:ext cx="9326104" cy="6724918"/>
           </a:xfrm>
           <a:prstGeom prst="rect">
             <a:avLst/>
@@ -4390,6 +4406,50 @@
               </a:rPr>
               <a:t> Loop</a:t>
             </a:r>
+          </a:p>
+          <a:p>
+            <a:pPr marL="571500" indent="-571500">
+              <a:buFont typeface="Arial" panose="020B0604020202020204" pitchFamily="34" charset="0"/>
+              <a:buChar char="•"/>
+              <a:defRPr/>
+            </a:pPr>
+            <a:endParaRPr lang="en-US" sz="2400" dirty="0">
+              <a:solidFill>
+                <a:prstClr val="white">
+                  <a:lumMod val="75000"/>
+                </a:prstClr>
+              </a:solidFill>
+              <a:latin typeface="Open Sans" panose="020B0606030504020204" pitchFamily="34" charset="0"/>
+              <a:sym typeface="Wingdings" panose="05000000000000000000" pitchFamily="2" charset="2"/>
+            </a:endParaRPr>
+          </a:p>
+          <a:p>
+            <a:pPr marL="571500" indent="-571500">
+              <a:buFont typeface="Arial" panose="020B0604020202020204" pitchFamily="34" charset="0"/>
+              <a:buChar char="•"/>
+              <a:defRPr/>
+            </a:pPr>
+            <a:r>
+              <a:rPr lang="en-US" sz="2400">
+                <a:solidFill>
+                  <a:prstClr val="white">
+                    <a:lumMod val="75000"/>
+                  </a:prstClr>
+                </a:solidFill>
+                <a:latin typeface="Open Sans" panose="020B0606030504020204" pitchFamily="34" charset="0"/>
+                <a:sym typeface="Wingdings" panose="05000000000000000000" pitchFamily="2" charset="2"/>
+              </a:rPr>
+              <a:t>Branching</a:t>
+            </a:r>
+            <a:endParaRPr lang="en-US" sz="2400" dirty="0">
+              <a:solidFill>
+                <a:prstClr val="white">
+                  <a:lumMod val="75000"/>
+                </a:prstClr>
+              </a:solidFill>
+              <a:latin typeface="Open Sans" panose="020B0606030504020204" pitchFamily="34" charset="0"/>
+              <a:sym typeface="Wingdings" panose="05000000000000000000" pitchFamily="2" charset="2"/>
+            </a:endParaRPr>
           </a:p>
           <a:p>
             <a:pPr marL="571500" indent="-571500">
